--- a/documentacao/sprint-3/storyboard-v2.pptx
+++ b/documentacao/sprint-3/storyboard-v2.pptx
@@ -4439,8 +4439,25 @@
                   <a:uFillTx/>
                   <a:latin typeface="Calibri"/>
                 </a:rPr>
-                <a:t>Acessa o servidor.</a:t>
+                <a:t>Acessa o </a:t>
               </a:r>
+              <a:r>
+                <a:rPr lang="pt-BR" sz="1100" b="0" i="0" u="none" strike="noStrike" kern="1200" cap="none" spc="0" baseline="0%" dirty="0" smtClean="0">
+                  <a:solidFill>
+                    <a:srgbClr val="000000"/>
+                  </a:solidFill>
+                  <a:uFillTx/>
+                  <a:latin typeface="Calibri"/>
+                </a:rPr>
+                <a:t>servidor (sala).</a:t>
+              </a:r>
+              <a:endParaRPr lang="pt-BR" sz="1100" b="0" i="0" u="none" strike="noStrike" kern="1200" cap="none" spc="0" baseline="0%" dirty="0">
+                <a:solidFill>
+                  <a:srgbClr val="000000"/>
+                </a:solidFill>
+                <a:uFillTx/>
+                <a:latin typeface="Calibri"/>
+              </a:endParaRPr>
             </a:p>
           </p:txBody>
         </p:sp>
@@ -5120,8 +5137,45 @@
                   <a:uFillTx/>
                   <a:latin typeface="Calibri"/>
                 </a:rPr>
-                <a:t>Faz o download do arquivo executável.</a:t>
+                <a:t>Faz o download do arquivo </a:t>
               </a:r>
+              <a:r>
+                <a:rPr lang="pt-BR" sz="1100" b="0" i="0" u="none" strike="noStrike" kern="1200" cap="none" spc="0" baseline="0%" dirty="0" smtClean="0">
+                  <a:solidFill>
+                    <a:srgbClr val="000000"/>
+                  </a:solidFill>
+                  <a:uFillTx/>
+                  <a:latin typeface="Calibri"/>
+                </a:rPr>
+                <a:t>.</a:t>
+              </a:r>
+              <a:r>
+                <a:rPr lang="pt-BR" sz="1100" b="0" i="0" u="none" strike="noStrike" kern="1200" cap="none" spc="0" baseline="0%" dirty="0" err="1" smtClean="0">
+                  <a:solidFill>
+                    <a:srgbClr val="000000"/>
+                  </a:solidFill>
+                  <a:uFillTx/>
+                  <a:latin typeface="Calibri"/>
+                </a:rPr>
+                <a:t>jar</a:t>
+              </a:r>
+              <a:r>
+                <a:rPr lang="pt-BR" sz="1100" b="0" i="0" u="none" strike="noStrike" kern="1200" cap="none" spc="0" baseline="0%" dirty="0" smtClean="0">
+                  <a:solidFill>
+                    <a:srgbClr val="000000"/>
+                  </a:solidFill>
+                  <a:uFillTx/>
+                  <a:latin typeface="Calibri"/>
+                </a:rPr>
+                <a:t>.</a:t>
+              </a:r>
+              <a:endParaRPr lang="pt-BR" sz="1100" b="0" i="0" u="none" strike="noStrike" kern="1200" cap="none" spc="0" baseline="0%" dirty="0">
+                <a:solidFill>
+                  <a:srgbClr val="000000"/>
+                </a:solidFill>
+                <a:uFillTx/>
+                <a:latin typeface="Calibri"/>
+              </a:endParaRPr>
             </a:p>
           </p:txBody>
         </p:sp>
@@ -5345,8 +5399,75 @@
                   <a:uFillTx/>
                   <a:latin typeface="Calibri"/>
                 </a:rPr>
-                <a:t>Preenche o formulário de cadastro (criação da conta).</a:t>
+                <a:t>Preenche o formulário de cadastro </a:t>
               </a:r>
+              <a:r>
+                <a:rPr lang="pt-BR" sz="1100" b="0" i="0" u="none" strike="noStrike" kern="1200" cap="none" spc="0" baseline="0%" dirty="0" smtClean="0">
+                  <a:solidFill>
+                    <a:srgbClr val="000000"/>
+                  </a:solidFill>
+                  <a:uFillTx/>
+                  <a:latin typeface="Calibri"/>
+                </a:rPr>
+                <a:t>para</a:t>
+              </a:r>
+              <a:r>
+                <a:rPr lang="pt-BR" sz="1100" b="0" i="0" u="none" strike="noStrike" kern="1200" cap="none" spc="0" dirty="0" smtClean="0">
+                  <a:solidFill>
+                    <a:srgbClr val="000000"/>
+                  </a:solidFill>
+                  <a:uFillTx/>
+                  <a:latin typeface="Calibri"/>
+                </a:rPr>
+                <a:t> </a:t>
+              </a:r>
+              <a:r>
+                <a:rPr lang="pt-BR" sz="1100" b="0" i="0" u="none" strike="noStrike" kern="1200" cap="none" spc="0" baseline="0%" dirty="0" smtClean="0">
+                  <a:solidFill>
+                    <a:srgbClr val="000000"/>
+                  </a:solidFill>
+                  <a:uFillTx/>
+                  <a:latin typeface="Calibri"/>
+                </a:rPr>
+                <a:t>criação </a:t>
+              </a:r>
+              <a:r>
+                <a:rPr lang="pt-BR" sz="1100" b="0" i="0" u="none" strike="noStrike" kern="1200" cap="none" spc="0" baseline="0%" dirty="0">
+                  <a:solidFill>
+                    <a:srgbClr val="000000"/>
+                  </a:solidFill>
+                  <a:uFillTx/>
+                  <a:latin typeface="Calibri"/>
+                </a:rPr>
+                <a:t>da </a:t>
+              </a:r>
+              <a:r>
+                <a:rPr lang="pt-BR" sz="1100" b="0" i="0" u="none" strike="noStrike" kern="1200" cap="none" spc="0" baseline="0%" dirty="0" smtClean="0">
+                  <a:solidFill>
+                    <a:srgbClr val="000000"/>
+                  </a:solidFill>
+                  <a:uFillTx/>
+                  <a:latin typeface="Calibri"/>
+                </a:rPr>
+                <a:t>conta</a:t>
+              </a:r>
+              <a:r>
+                <a:rPr lang="pt-BR" sz="1100" b="0" i="0" u="none" strike="noStrike" kern="1200" cap="none" spc="0" dirty="0" smtClean="0">
+                  <a:solidFill>
+                    <a:srgbClr val="000000"/>
+                  </a:solidFill>
+                  <a:uFillTx/>
+                  <a:latin typeface="Calibri"/>
+                </a:rPr>
+                <a:t> e digita o nome do usuário que o indicou (opcional).</a:t>
+              </a:r>
+              <a:endParaRPr lang="pt-BR" sz="1100" b="0" i="0" u="none" strike="noStrike" kern="1200" cap="none" spc="0" baseline="0%" dirty="0">
+                <a:solidFill>
+                  <a:srgbClr val="000000"/>
+                </a:solidFill>
+                <a:uFillTx/>
+                <a:latin typeface="Calibri"/>
+              </a:endParaRPr>
             </a:p>
           </p:txBody>
         </p:sp>
@@ -5992,7 +6113,7 @@
             <a:alphaModFix/>
             <a:extLst>
               <a:ext uri="{96DAC541-7B7A-43D3-8B79-37D633B846F1}">
-                <asvg:svgBlip xmlns:asvg="http://schemas.microsoft.com/office/drawing/2016/SVG/main" r:embed="rId6"/>
+                <asvg:svgBlip xmlns:asvg="http://schemas.microsoft.com/office/drawing/2016/SVG/main" xmlns:p="http://schemas.openxmlformats.org/presentationml/2006/main" xmlns:r="http://schemas.openxmlformats.org/officeDocument/2006/relationships" xmlns:a="http://schemas.openxmlformats.org/drawingml/2006/main" xmlns="" r:embed="rId6"/>
               </a:ext>
             </a:extLst>
           </a:blip>
@@ -6035,7 +6156,7 @@
             <a:alphaModFix/>
             <a:extLst>
               <a:ext uri="{96DAC541-7B7A-43D3-8B79-37D633B846F1}">
-                <asvg:svgBlip xmlns:asvg="http://schemas.microsoft.com/office/drawing/2016/SVG/main" r:embed="rId6"/>
+                <asvg:svgBlip xmlns:asvg="http://schemas.microsoft.com/office/drawing/2016/SVG/main" xmlns:p="http://schemas.openxmlformats.org/presentationml/2006/main" xmlns:r="http://schemas.openxmlformats.org/officeDocument/2006/relationships" xmlns:a="http://schemas.openxmlformats.org/drawingml/2006/main" xmlns="" r:embed="rId6"/>
               </a:ext>
             </a:extLst>
           </a:blip>
@@ -6394,7 +6515,7 @@
           <p:nvPr/>
         </p:nvPicPr>
         <p:blipFill>
-          <a:blip r:embed="rId7">
+          <a:blip r:embed="rId7" cstate="hqprint">
             <a:extLst>
               <a:ext uri="{28A0092B-C50C-407E-A947-70E740481C1C}">
                 <a14:useLocalDpi xmlns:a14="http://schemas.microsoft.com/office/drawing/2010/main" val="0"/>
@@ -6430,7 +6551,7 @@
           <p:nvPr/>
         </p:nvPicPr>
         <p:blipFill>
-          <a:blip r:embed="rId8">
+          <a:blip r:embed="rId8" cstate="hqprint">
             <a:extLst>
               <a:ext uri="{28A0092B-C50C-407E-A947-70E740481C1C}">
                 <a14:useLocalDpi xmlns:a14="http://schemas.microsoft.com/office/drawing/2010/main" val="0"/>
@@ -6443,8 +6564,8 @@
         </p:blipFill>
         <p:spPr>
           <a:xfrm>
-            <a:off x="2194840" y="1264214"/>
-            <a:ext cx="435686" cy="435686"/>
+            <a:off x="2239996" y="1377104"/>
+            <a:ext cx="327519" cy="327519"/>
           </a:xfrm>
           <a:prstGeom prst="rect">
             <a:avLst/>
@@ -6513,7 +6634,7 @@
           <p:nvPr/>
         </p:nvPicPr>
         <p:blipFill>
-          <a:blip r:embed="rId7">
+          <a:blip r:embed="rId7" cstate="hqprint">
             <a:extLst>
               <a:ext uri="{28A0092B-C50C-407E-A947-70E740481C1C}">
                 <a14:useLocalDpi xmlns:a14="http://schemas.microsoft.com/office/drawing/2010/main" val="0"/>
@@ -6549,7 +6670,7 @@
           <p:nvPr/>
         </p:nvPicPr>
         <p:blipFill>
-          <a:blip r:embed="rId9">
+          <a:blip r:embed="rId9" cstate="hqprint">
             <a:extLst>
               <a:ext uri="{28A0092B-C50C-407E-A947-70E740481C1C}">
                 <a14:useLocalDpi xmlns:a14="http://schemas.microsoft.com/office/drawing/2010/main" val="0"/>
@@ -6562,8 +6683,8 @@
         </p:blipFill>
         <p:spPr>
           <a:xfrm>
-            <a:off x="5532697" y="1177455"/>
-            <a:ext cx="487720" cy="487720"/>
+            <a:off x="5577853" y="1290345"/>
+            <a:ext cx="366635" cy="366635"/>
           </a:xfrm>
           <a:prstGeom prst="rect">
             <a:avLst/>
@@ -6632,7 +6753,7 @@
           <p:nvPr/>
         </p:nvPicPr>
         <p:blipFill>
-          <a:blip r:embed="rId7">
+          <a:blip r:embed="rId7" cstate="hqprint">
             <a:extLst>
               <a:ext uri="{28A0092B-C50C-407E-A947-70E740481C1C}">
                 <a14:useLocalDpi xmlns:a14="http://schemas.microsoft.com/office/drawing/2010/main" val="0"/>
@@ -6715,7 +6836,7 @@
           <p:nvPr/>
         </p:nvPicPr>
         <p:blipFill>
-          <a:blip r:embed="rId7">
+          <a:blip r:embed="rId7" cstate="hqprint">
             <a:extLst>
               <a:ext uri="{28A0092B-C50C-407E-A947-70E740481C1C}">
                 <a14:useLocalDpi xmlns:a14="http://schemas.microsoft.com/office/drawing/2010/main" val="0"/>
@@ -6798,7 +6919,7 @@
           <p:nvPr/>
         </p:nvPicPr>
         <p:blipFill>
-          <a:blip r:embed="rId7">
+          <a:blip r:embed="rId7" cstate="hqprint">
             <a:extLst>
               <a:ext uri="{28A0092B-C50C-407E-A947-70E740481C1C}">
                 <a14:useLocalDpi xmlns:a14="http://schemas.microsoft.com/office/drawing/2010/main" val="0"/>
@@ -6834,7 +6955,7 @@
           <p:nvPr/>
         </p:nvPicPr>
         <p:blipFill>
-          <a:blip r:embed="rId10">
+          <a:blip r:embed="rId10" cstate="hqprint">
             <a:extLst>
               <a:ext uri="{28A0092B-C50C-407E-A947-70E740481C1C}">
                 <a14:useLocalDpi xmlns:a14="http://schemas.microsoft.com/office/drawing/2010/main" val="0"/>
@@ -6870,7 +6991,7 @@
           <p:nvPr/>
         </p:nvPicPr>
         <p:blipFill>
-          <a:blip r:embed="rId11">
+          <a:blip r:embed="rId11" cstate="hqprint">
             <a:extLst>
               <a:ext uri="{28A0092B-C50C-407E-A947-70E740481C1C}">
                 <a14:useLocalDpi xmlns:a14="http://schemas.microsoft.com/office/drawing/2010/main" val="0"/>
@@ -6883,44 +7004,193 @@
         </p:blipFill>
         <p:spPr>
           <a:xfrm>
-            <a:off x="8946493" y="1222472"/>
-            <a:ext cx="413608" cy="413608"/>
+            <a:off x="8991649" y="1312784"/>
+            <a:ext cx="310922" cy="310922"/>
           </a:xfrm>
           <a:prstGeom prst="rect">
             <a:avLst/>
           </a:prstGeom>
         </p:spPr>
       </p:pic>
+      <p:sp>
+        <p:nvSpPr>
+          <p:cNvPr id="3" name="CaixaDeTexto 2"/>
+          <p:cNvSpPr txBox="1"/>
+          <p:nvPr/>
+        </p:nvSpPr>
+        <p:spPr>
+          <a:xfrm>
+            <a:off x="1889201" y="1183029"/>
+            <a:ext cx="1116000" cy="184666"/>
+          </a:xfrm>
+          <a:prstGeom prst="rect">
+            <a:avLst/>
+          </a:prstGeom>
+          <a:noFill/>
+        </p:spPr>
+        <p:txBody>
+          <a:bodyPr wrap="square" rtlCol="0">
+            <a:spAutoFit/>
+          </a:bodyPr>
+          <a:lstStyle/>
+          <a:p>
+            <a:r>
+              <a:rPr lang="pt-BR" sz="600" b="1" dirty="0" err="1" smtClean="0">
+                <a:solidFill>
+                  <a:schemeClr val="accent5">
+                    <a:lumMod val="75%"/>
+                  </a:schemeClr>
+                </a:solidFill>
+              </a:rPr>
+              <a:t>DataSource</a:t>
+            </a:r>
+            <a:r>
+              <a:rPr lang="pt-BR" sz="600" b="1" dirty="0" smtClean="0">
+                <a:solidFill>
+                  <a:schemeClr val="accent5">
+                    <a:lumMod val="75%"/>
+                  </a:schemeClr>
+                </a:solidFill>
+              </a:rPr>
+              <a:t>.</a:t>
+            </a:r>
+            <a:endParaRPr lang="pt-BR" sz="600" b="1" dirty="0">
+              <a:solidFill>
+                <a:schemeClr val="accent5">
+                  <a:lumMod val="75%"/>
+                </a:schemeClr>
+              </a:solidFill>
+            </a:endParaRPr>
+          </a:p>
+        </p:txBody>
+      </p:sp>
+      <p:sp>
+        <p:nvSpPr>
+          <p:cNvPr id="62" name="CaixaDeTexto 61"/>
+          <p:cNvSpPr txBox="1"/>
+          <p:nvPr/>
+        </p:nvSpPr>
+        <p:spPr>
+          <a:xfrm>
+            <a:off x="5258646" y="1116547"/>
+            <a:ext cx="1116000" cy="184666"/>
+          </a:xfrm>
+          <a:prstGeom prst="rect">
+            <a:avLst/>
+          </a:prstGeom>
+          <a:noFill/>
+        </p:spPr>
+        <p:txBody>
+          <a:bodyPr wrap="square" rtlCol="0">
+            <a:spAutoFit/>
+          </a:bodyPr>
+          <a:lstStyle/>
+          <a:p>
+            <a:r>
+              <a:rPr lang="pt-BR" sz="600" b="1" dirty="0" err="1" smtClean="0">
+                <a:solidFill>
+                  <a:schemeClr val="accent5">
+                    <a:lumMod val="75%"/>
+                  </a:schemeClr>
+                </a:solidFill>
+              </a:rPr>
+              <a:t>DataSource</a:t>
+            </a:r>
+            <a:r>
+              <a:rPr lang="pt-BR" sz="600" b="1" dirty="0" smtClean="0">
+                <a:solidFill>
+                  <a:schemeClr val="accent5">
+                    <a:lumMod val="75%"/>
+                  </a:schemeClr>
+                </a:solidFill>
+              </a:rPr>
+              <a:t>.</a:t>
+            </a:r>
+            <a:endParaRPr lang="pt-BR" sz="600" b="1" dirty="0">
+              <a:solidFill>
+                <a:schemeClr val="accent5">
+                  <a:lumMod val="75%"/>
+                </a:schemeClr>
+              </a:solidFill>
+            </a:endParaRPr>
+          </a:p>
+        </p:txBody>
+      </p:sp>
+      <p:sp>
+        <p:nvSpPr>
+          <p:cNvPr id="63" name="CaixaDeTexto 62"/>
+          <p:cNvSpPr txBox="1"/>
+          <p:nvPr/>
+        </p:nvSpPr>
+        <p:spPr>
+          <a:xfrm>
+            <a:off x="8618357" y="1105258"/>
+            <a:ext cx="1116000" cy="184666"/>
+          </a:xfrm>
+          <a:prstGeom prst="rect">
+            <a:avLst/>
+          </a:prstGeom>
+          <a:noFill/>
+        </p:spPr>
+        <p:txBody>
+          <a:bodyPr wrap="square" rtlCol="0">
+            <a:spAutoFit/>
+          </a:bodyPr>
+          <a:lstStyle/>
+          <a:p>
+            <a:r>
+              <a:rPr lang="pt-BR" sz="600" b="1" dirty="0" err="1" smtClean="0">
+                <a:solidFill>
+                  <a:schemeClr val="accent5">
+                    <a:lumMod val="75%"/>
+                  </a:schemeClr>
+                </a:solidFill>
+              </a:rPr>
+              <a:t>DataSource</a:t>
+            </a:r>
+            <a:r>
+              <a:rPr lang="pt-BR" sz="600" b="1" dirty="0" smtClean="0">
+                <a:solidFill>
+                  <a:schemeClr val="accent5">
+                    <a:lumMod val="75%"/>
+                  </a:schemeClr>
+                </a:solidFill>
+              </a:rPr>
+              <a:t>.</a:t>
+            </a:r>
+            <a:endParaRPr lang="pt-BR" sz="600" b="1" dirty="0">
+              <a:solidFill>
+                <a:schemeClr val="accent5">
+                  <a:lumMod val="75%"/>
+                </a:schemeClr>
+              </a:solidFill>
+            </a:endParaRPr>
+          </a:p>
+        </p:txBody>
+      </p:sp>
       <p:pic>
         <p:nvPicPr>
-          <p:cNvPr id="170" name="Imagem 169">
-            <a:extLst>
-              <a:ext uri="{FF2B5EF4-FFF2-40B4-BE49-F238E27FC236}">
-                <a16:creationId xmlns:a16="http://schemas.microsoft.com/office/drawing/2014/main" id="{D7C66D12-16C8-47F8-8A02-4A79662DE11D}"/>
-              </a:ext>
-            </a:extLst>
-          </p:cNvPr>
+          <p:cNvPr id="12" name="Imagem 11"/>
           <p:cNvPicPr>
             <a:picLocks noChangeAspect="1"/>
           </p:cNvPicPr>
           <p:nvPr/>
         </p:nvPicPr>
-        <p:blipFill>
-          <a:blip r:embed="rId12">
+        <p:blipFill rotWithShape="1">
+          <a:blip r:embed="rId12" cstate="hqprint">
             <a:extLst>
               <a:ext uri="{28A0092B-C50C-407E-A947-70E740481C1C}">
                 <a14:useLocalDpi xmlns:a14="http://schemas.microsoft.com/office/drawing/2010/main" val="0"/>
               </a:ext>
             </a:extLst>
           </a:blip>
-          <a:stretch>
-            <a:fillRect/>
-          </a:stretch>
+          <a:srcRect l="26.323%" t="6.949%" r="27.688%" b="6.792%"/>
+          <a:stretch/>
         </p:blipFill>
         <p:spPr>
           <a:xfrm>
-            <a:off x="2171690" y="3666245"/>
-            <a:ext cx="462024" cy="466581"/>
+            <a:off x="2275734" y="3638748"/>
+            <a:ext cx="241344" cy="452672"/>
           </a:xfrm>
           <a:prstGeom prst="rect">
             <a:avLst/>
@@ -6932,6 +7202,13 @@
   <p:clrMapOvr>
     <a:masterClrMapping/>
   </p:clrMapOvr>
+  <p:timing>
+    <p:tnLst>
+      <p:par>
+        <p:cTn id="1" dur="indefinite" restart="never" nodeType="tmRoot"/>
+      </p:par>
+    </p:tnLst>
+  </p:timing>
 </p:sld>
 </file>
 
@@ -7116,7 +7393,7 @@
           <p:spPr>
             <a:xfrm>
               <a:off x="6881097" y="3281274"/>
-              <a:ext cx="390906" cy="209453"/>
+              <a:ext cx="439200" cy="209453"/>
             </a:xfrm>
             <a:prstGeom prst="rect">
               <a:avLst/>
@@ -7361,7 +7638,7 @@
           <p:spPr>
             <a:xfrm>
               <a:off x="3528312" y="3281274"/>
-              <a:ext cx="431688" cy="209453"/>
+              <a:ext cx="439200" cy="209453"/>
             </a:xfrm>
             <a:prstGeom prst="rect">
               <a:avLst/>
@@ -7606,7 +7883,7 @@
           <p:spPr>
             <a:xfrm>
               <a:off x="175528" y="3281274"/>
-              <a:ext cx="414150" cy="199641"/>
+              <a:ext cx="439200" cy="199641"/>
             </a:xfrm>
             <a:prstGeom prst="rect">
               <a:avLst/>
@@ -8580,7 +8857,25 @@
                   </a:solidFill>
                   <a:latin typeface="Calibri"/>
                 </a:rPr>
-                <a:t> conectados ao servidor online, quando um usuário premium decide conectar-se ao mesmo servidor, que por ventura está cheio.</a:t>
+                <a:t> conectados ao servidor online, quando um usuário premium decide conectar-se ao mesmo servidor, que </a:t>
+              </a:r>
+              <a:r>
+                <a:rPr lang="pt-BR" sz="1100" dirty="0" smtClean="0">
+                  <a:solidFill>
+                    <a:srgbClr val="000000"/>
+                  </a:solidFill>
+                  <a:latin typeface="Calibri"/>
+                </a:rPr>
+                <a:t>está </a:t>
+              </a:r>
+              <a:r>
+                <a:rPr lang="pt-BR" sz="1100" dirty="0">
+                  <a:solidFill>
+                    <a:srgbClr val="000000"/>
+                  </a:solidFill>
+                  <a:latin typeface="Calibri"/>
+                </a:rPr>
+                <a:t>cheio.</a:t>
               </a:r>
               <a:endParaRPr lang="pt-BR" sz="1100" b="0" i="0" u="none" strike="noStrike" kern="1200" cap="none" spc="0" baseline="0%" dirty="0">
                 <a:solidFill>
@@ -10795,7 +11090,7 @@
             <a:alphaModFix/>
             <a:extLst>
               <a:ext uri="{96DAC541-7B7A-43D3-8B79-37D633B846F1}">
-                <asvg:svgBlip xmlns:asvg="http://schemas.microsoft.com/office/drawing/2016/SVG/main" r:embed="rId7"/>
+                <asvg:svgBlip xmlns:asvg="http://schemas.microsoft.com/office/drawing/2016/SVG/main" xmlns:p="http://schemas.openxmlformats.org/presentationml/2006/main" xmlns:r="http://schemas.openxmlformats.org/officeDocument/2006/relationships" xmlns:a="http://schemas.openxmlformats.org/drawingml/2006/main" xmlns="" r:embed="rId7"/>
               </a:ext>
             </a:extLst>
           </a:blip>
@@ -10838,7 +11133,7 @@
             <a:alphaModFix/>
             <a:extLst>
               <a:ext uri="{96DAC541-7B7A-43D3-8B79-37D633B846F1}">
-                <asvg:svgBlip xmlns:asvg="http://schemas.microsoft.com/office/drawing/2016/SVG/main" r:embed="rId7"/>
+                <asvg:svgBlip xmlns:asvg="http://schemas.microsoft.com/office/drawing/2016/SVG/main" xmlns:p="http://schemas.openxmlformats.org/presentationml/2006/main" xmlns:r="http://schemas.openxmlformats.org/officeDocument/2006/relationships" xmlns:a="http://schemas.openxmlformats.org/drawingml/2006/main" xmlns="" r:embed="rId7"/>
               </a:ext>
             </a:extLst>
           </a:blip>
@@ -10881,7 +11176,7 @@
             <a:alphaModFix/>
             <a:extLst>
               <a:ext uri="{96DAC541-7B7A-43D3-8B79-37D633B846F1}">
-                <asvg:svgBlip xmlns:asvg="http://schemas.microsoft.com/office/drawing/2016/SVG/main" r:embed="rId7"/>
+                <asvg:svgBlip xmlns:asvg="http://schemas.microsoft.com/office/drawing/2016/SVG/main" xmlns:p="http://schemas.openxmlformats.org/presentationml/2006/main" xmlns:r="http://schemas.openxmlformats.org/officeDocument/2006/relationships" xmlns:a="http://schemas.openxmlformats.org/drawingml/2006/main" xmlns="" r:embed="rId7"/>
               </a:ext>
             </a:extLst>
           </a:blip>
@@ -10962,7 +11257,7 @@
             <a:alphaModFix/>
             <a:extLst>
               <a:ext uri="{96DAC541-7B7A-43D3-8B79-37D633B846F1}">
-                <asvg:svgBlip xmlns:asvg="http://schemas.microsoft.com/office/drawing/2016/SVG/main" r:embed="rId10"/>
+                <asvg:svgBlip xmlns:asvg="http://schemas.microsoft.com/office/drawing/2016/SVG/main" xmlns:p="http://schemas.openxmlformats.org/presentationml/2006/main" xmlns:r="http://schemas.openxmlformats.org/officeDocument/2006/relationships" xmlns:a="http://schemas.openxmlformats.org/drawingml/2006/main" xmlns="" r:embed="rId10"/>
               </a:ext>
             </a:extLst>
           </a:blip>
@@ -11005,7 +11300,7 @@
             <a:alphaModFix/>
             <a:extLst>
               <a:ext uri="{96DAC541-7B7A-43D3-8B79-37D633B846F1}">
-                <asvg:svgBlip xmlns:asvg="http://schemas.microsoft.com/office/drawing/2016/SVG/main" r:embed="rId12"/>
+                <asvg:svgBlip xmlns:asvg="http://schemas.microsoft.com/office/drawing/2016/SVG/main" xmlns:p="http://schemas.openxmlformats.org/presentationml/2006/main" xmlns:r="http://schemas.openxmlformats.org/officeDocument/2006/relationships" xmlns:a="http://schemas.openxmlformats.org/drawingml/2006/main" xmlns="" r:embed="rId12"/>
               </a:ext>
             </a:extLst>
           </a:blip>
@@ -11770,7 +12065,7 @@
             <a:alphaModFix/>
             <a:extLst>
               <a:ext uri="{96DAC541-7B7A-43D3-8B79-37D633B846F1}">
-                <asvg:svgBlip xmlns:asvg="http://schemas.microsoft.com/office/drawing/2016/SVG/main" r:embed="rId7"/>
+                <asvg:svgBlip xmlns:asvg="http://schemas.microsoft.com/office/drawing/2016/SVG/main" xmlns:p="http://schemas.openxmlformats.org/presentationml/2006/main" xmlns:r="http://schemas.openxmlformats.org/officeDocument/2006/relationships" xmlns:a="http://schemas.openxmlformats.org/drawingml/2006/main" xmlns="" r:embed="rId7"/>
               </a:ext>
             </a:extLst>
           </a:blip>
@@ -11813,7 +12108,7 @@
             <a:alphaModFix/>
             <a:extLst>
               <a:ext uri="{96DAC541-7B7A-43D3-8B79-37D633B846F1}">
-                <asvg:svgBlip xmlns:asvg="http://schemas.microsoft.com/office/drawing/2016/SVG/main" r:embed="rId15"/>
+                <asvg:svgBlip xmlns:asvg="http://schemas.microsoft.com/office/drawing/2016/SVG/main" xmlns:p="http://schemas.openxmlformats.org/presentationml/2006/main" xmlns:r="http://schemas.openxmlformats.org/officeDocument/2006/relationships" xmlns:a="http://schemas.openxmlformats.org/drawingml/2006/main" xmlns="" r:embed="rId15"/>
               </a:ext>
             </a:extLst>
           </a:blip>
@@ -11856,7 +12151,7 @@
             <a:alphaModFix/>
             <a:extLst>
               <a:ext uri="{96DAC541-7B7A-43D3-8B79-37D633B846F1}">
-                <asvg:svgBlip xmlns:asvg="http://schemas.microsoft.com/office/drawing/2016/SVG/main" r:embed="rId17"/>
+                <asvg:svgBlip xmlns:asvg="http://schemas.microsoft.com/office/drawing/2016/SVG/main" xmlns:p="http://schemas.openxmlformats.org/presentationml/2006/main" xmlns:r="http://schemas.openxmlformats.org/officeDocument/2006/relationships" xmlns:a="http://schemas.openxmlformats.org/drawingml/2006/main" xmlns="" r:embed="rId17"/>
               </a:ext>
             </a:extLst>
           </a:blip>
@@ -11899,7 +12194,7 @@
             <a:alphaModFix/>
             <a:extLst>
               <a:ext uri="{96DAC541-7B7A-43D3-8B79-37D633B846F1}">
-                <asvg:svgBlip xmlns:asvg="http://schemas.microsoft.com/office/drawing/2016/SVG/main" r:embed="rId19"/>
+                <asvg:svgBlip xmlns:asvg="http://schemas.microsoft.com/office/drawing/2016/SVG/main" xmlns:p="http://schemas.openxmlformats.org/presentationml/2006/main" xmlns:r="http://schemas.openxmlformats.org/officeDocument/2006/relationships" xmlns:a="http://schemas.openxmlformats.org/drawingml/2006/main" xmlns="" r:embed="rId19"/>
               </a:ext>
             </a:extLst>
           </a:blip>
@@ -11942,7 +12237,7 @@
             <a:alphaModFix/>
             <a:extLst>
               <a:ext uri="{96DAC541-7B7A-43D3-8B79-37D633B846F1}">
-                <asvg:svgBlip xmlns:asvg="http://schemas.microsoft.com/office/drawing/2016/SVG/main" r:embed="rId17"/>
+                <asvg:svgBlip xmlns:asvg="http://schemas.microsoft.com/office/drawing/2016/SVG/main" xmlns:p="http://schemas.openxmlformats.org/presentationml/2006/main" xmlns:r="http://schemas.openxmlformats.org/officeDocument/2006/relationships" xmlns:a="http://schemas.openxmlformats.org/drawingml/2006/main" xmlns="" r:embed="rId17"/>
               </a:ext>
             </a:extLst>
           </a:blip>
@@ -11985,7 +12280,7 @@
             <a:alphaModFix/>
             <a:extLst>
               <a:ext uri="{96DAC541-7B7A-43D3-8B79-37D633B846F1}">
-                <asvg:svgBlip xmlns:asvg="http://schemas.microsoft.com/office/drawing/2016/SVG/main" r:embed="rId7"/>
+                <asvg:svgBlip xmlns:asvg="http://schemas.microsoft.com/office/drawing/2016/SVG/main" xmlns:p="http://schemas.openxmlformats.org/presentationml/2006/main" xmlns:r="http://schemas.openxmlformats.org/officeDocument/2006/relationships" xmlns:a="http://schemas.openxmlformats.org/drawingml/2006/main" xmlns="" r:embed="rId7"/>
               </a:ext>
             </a:extLst>
           </a:blip>
@@ -12166,7 +12461,7 @@
             <a:alphaModFix/>
             <a:extLst>
               <a:ext uri="{96DAC541-7B7A-43D3-8B79-37D633B846F1}">
-                <asvg:svgBlip xmlns:asvg="http://schemas.microsoft.com/office/drawing/2016/SVG/main" r:embed="rId7"/>
+                <asvg:svgBlip xmlns:asvg="http://schemas.microsoft.com/office/drawing/2016/SVG/main" xmlns:p="http://schemas.openxmlformats.org/presentationml/2006/main" xmlns:r="http://schemas.openxmlformats.org/officeDocument/2006/relationships" xmlns:a="http://schemas.openxmlformats.org/drawingml/2006/main" xmlns="" r:embed="rId7"/>
               </a:ext>
             </a:extLst>
           </a:blip>
@@ -12382,7 +12677,7 @@
             <a:alphaModFix/>
             <a:extLst>
               <a:ext uri="{96DAC541-7B7A-43D3-8B79-37D633B846F1}">
-                <asvg:svgBlip xmlns:asvg="http://schemas.microsoft.com/office/drawing/2016/SVG/main" r:embed="rId19"/>
+                <asvg:svgBlip xmlns:asvg="http://schemas.microsoft.com/office/drawing/2016/SVG/main" xmlns:p="http://schemas.openxmlformats.org/presentationml/2006/main" xmlns:r="http://schemas.openxmlformats.org/officeDocument/2006/relationships" xmlns:a="http://schemas.openxmlformats.org/drawingml/2006/main" xmlns="" r:embed="rId19"/>
               </a:ext>
             </a:extLst>
           </a:blip>
@@ -12425,7 +12720,7 @@
             <a:alphaModFix/>
             <a:extLst>
               <a:ext uri="{96DAC541-7B7A-43D3-8B79-37D633B846F1}">
-                <asvg:svgBlip xmlns:asvg="http://schemas.microsoft.com/office/drawing/2016/SVG/main" r:embed="rId19"/>
+                <asvg:svgBlip xmlns:asvg="http://schemas.microsoft.com/office/drawing/2016/SVG/main" xmlns:p="http://schemas.openxmlformats.org/presentationml/2006/main" xmlns:r="http://schemas.openxmlformats.org/officeDocument/2006/relationships" xmlns:a="http://schemas.openxmlformats.org/drawingml/2006/main" xmlns="" r:embed="rId19"/>
               </a:ext>
             </a:extLst>
           </a:blip>
@@ -12468,7 +12763,7 @@
             <a:alphaModFix/>
             <a:extLst>
               <a:ext uri="{96DAC541-7B7A-43D3-8B79-37D633B846F1}">
-                <asvg:svgBlip xmlns:asvg="http://schemas.microsoft.com/office/drawing/2016/SVG/main" r:embed="rId19"/>
+                <asvg:svgBlip xmlns:asvg="http://schemas.microsoft.com/office/drawing/2016/SVG/main" xmlns:p="http://schemas.openxmlformats.org/presentationml/2006/main" xmlns:r="http://schemas.openxmlformats.org/officeDocument/2006/relationships" xmlns:a="http://schemas.openxmlformats.org/drawingml/2006/main" xmlns="" r:embed="rId19"/>
               </a:ext>
             </a:extLst>
           </a:blip>
@@ -12511,7 +12806,7 @@
             <a:alphaModFix/>
             <a:extLst>
               <a:ext uri="{96DAC541-7B7A-43D3-8B79-37D633B846F1}">
-                <asvg:svgBlip xmlns:asvg="http://schemas.microsoft.com/office/drawing/2016/SVG/main" r:embed="rId21"/>
+                <asvg:svgBlip xmlns:asvg="http://schemas.microsoft.com/office/drawing/2016/SVG/main" xmlns:p="http://schemas.openxmlformats.org/presentationml/2006/main" xmlns:r="http://schemas.openxmlformats.org/officeDocument/2006/relationships" xmlns:a="http://schemas.openxmlformats.org/drawingml/2006/main" xmlns="" r:embed="rId21"/>
               </a:ext>
             </a:extLst>
           </a:blip>
@@ -12592,7 +12887,7 @@
             <a:alphaModFix/>
             <a:extLst>
               <a:ext uri="{96DAC541-7B7A-43D3-8B79-37D633B846F1}">
-                <asvg:svgBlip xmlns:asvg="http://schemas.microsoft.com/office/drawing/2016/SVG/main" r:embed="rId15"/>
+                <asvg:svgBlip xmlns:asvg="http://schemas.microsoft.com/office/drawing/2016/SVG/main" xmlns:p="http://schemas.openxmlformats.org/presentationml/2006/main" xmlns:r="http://schemas.openxmlformats.org/officeDocument/2006/relationships" xmlns:a="http://schemas.openxmlformats.org/drawingml/2006/main" xmlns="" r:embed="rId15"/>
               </a:ext>
             </a:extLst>
           </a:blip>
@@ -12827,7 +13122,7 @@
             <a:alphaModFix/>
             <a:extLst>
               <a:ext uri="{96DAC541-7B7A-43D3-8B79-37D633B846F1}">
-                <asvg:svgBlip xmlns:asvg="http://schemas.microsoft.com/office/drawing/2016/SVG/main" r:embed="rId23"/>
+                <asvg:svgBlip xmlns:asvg="http://schemas.microsoft.com/office/drawing/2016/SVG/main" xmlns:p="http://schemas.openxmlformats.org/presentationml/2006/main" xmlns:r="http://schemas.openxmlformats.org/officeDocument/2006/relationships" xmlns:a="http://schemas.openxmlformats.org/drawingml/2006/main" xmlns="" r:embed="rId23"/>
               </a:ext>
             </a:extLst>
           </a:blip>
@@ -12908,7 +13203,7 @@
             <a:alphaModFix/>
             <a:extLst>
               <a:ext uri="{96DAC541-7B7A-43D3-8B79-37D633B846F1}">
-                <asvg:svgBlip xmlns:asvg="http://schemas.microsoft.com/office/drawing/2016/SVG/main" r:embed="rId26"/>
+                <asvg:svgBlip xmlns:asvg="http://schemas.microsoft.com/office/drawing/2016/SVG/main" xmlns:p="http://schemas.openxmlformats.org/presentationml/2006/main" xmlns:r="http://schemas.openxmlformats.org/officeDocument/2006/relationships" xmlns:a="http://schemas.openxmlformats.org/drawingml/2006/main" xmlns="" r:embed="rId26"/>
               </a:ext>
             </a:extLst>
           </a:blip>
@@ -13678,7 +13973,7 @@
             <a:alphaModFix/>
             <a:extLst>
               <a:ext uri="{96DAC541-7B7A-43D3-8B79-37D633B846F1}">
-                <asvg:svgBlip xmlns:asvg="http://schemas.microsoft.com/office/drawing/2016/SVG/main" r:embed="rId23"/>
+                <asvg:svgBlip xmlns:asvg="http://schemas.microsoft.com/office/drawing/2016/SVG/main" xmlns:p="http://schemas.openxmlformats.org/presentationml/2006/main" xmlns:r="http://schemas.openxmlformats.org/officeDocument/2006/relationships" xmlns:a="http://schemas.openxmlformats.org/drawingml/2006/main" xmlns="" r:embed="rId23"/>
               </a:ext>
             </a:extLst>
           </a:blip>
@@ -13997,7 +14292,7 @@
             <a:alphaModFix/>
             <a:extLst>
               <a:ext uri="{96DAC541-7B7A-43D3-8B79-37D633B846F1}">
-                <asvg:svgBlip xmlns:asvg="http://schemas.microsoft.com/office/drawing/2016/SVG/main" r:embed="rId7"/>
+                <asvg:svgBlip xmlns:asvg="http://schemas.microsoft.com/office/drawing/2016/SVG/main" xmlns:p="http://schemas.openxmlformats.org/presentationml/2006/main" xmlns:r="http://schemas.openxmlformats.org/officeDocument/2006/relationships" xmlns:a="http://schemas.openxmlformats.org/drawingml/2006/main" xmlns="" r:embed="rId7"/>
               </a:ext>
             </a:extLst>
           </a:blip>
@@ -14070,7 +14365,7 @@
             <a:alphaModFix/>
             <a:extLst>
               <a:ext uri="{96DAC541-7B7A-43D3-8B79-37D633B846F1}">
-                <asvg:svgBlip xmlns:asvg="http://schemas.microsoft.com/office/drawing/2016/SVG/main" r:embed="rId7"/>
+                <asvg:svgBlip xmlns:asvg="http://schemas.microsoft.com/office/drawing/2016/SVG/main" xmlns:p="http://schemas.openxmlformats.org/presentationml/2006/main" xmlns:r="http://schemas.openxmlformats.org/officeDocument/2006/relationships" xmlns:a="http://schemas.openxmlformats.org/drawingml/2006/main" xmlns="" r:embed="rId7"/>
               </a:ext>
             </a:extLst>
           </a:blip>
@@ -14113,7 +14408,7 @@
             <a:alphaModFix/>
             <a:extLst>
               <a:ext uri="{96DAC541-7B7A-43D3-8B79-37D633B846F1}">
-                <asvg:svgBlip xmlns:asvg="http://schemas.microsoft.com/office/drawing/2016/SVG/main" r:embed="rId7"/>
+                <asvg:svgBlip xmlns:asvg="http://schemas.microsoft.com/office/drawing/2016/SVG/main" xmlns:p="http://schemas.openxmlformats.org/presentationml/2006/main" xmlns:r="http://schemas.openxmlformats.org/officeDocument/2006/relationships" xmlns:a="http://schemas.openxmlformats.org/drawingml/2006/main" xmlns="" r:embed="rId7"/>
               </a:ext>
             </a:extLst>
           </a:blip>
@@ -14308,7 +14603,7 @@
             <a:alphaModFix/>
             <a:extLst>
               <a:ext uri="{96DAC541-7B7A-43D3-8B79-37D633B846F1}">
-                <asvg:svgBlip xmlns:asvg="http://schemas.microsoft.com/office/drawing/2016/SVG/main" r:embed="rId23"/>
+                <asvg:svgBlip xmlns:asvg="http://schemas.microsoft.com/office/drawing/2016/SVG/main" xmlns:p="http://schemas.openxmlformats.org/presentationml/2006/main" xmlns:r="http://schemas.openxmlformats.org/officeDocument/2006/relationships" xmlns:a="http://schemas.openxmlformats.org/drawingml/2006/main" xmlns="" r:embed="rId23"/>
               </a:ext>
             </a:extLst>
           </a:blip>
@@ -14351,7 +14646,7 @@
             <a:alphaModFix/>
             <a:extLst>
               <a:ext uri="{96DAC541-7B7A-43D3-8B79-37D633B846F1}">
-                <asvg:svgBlip xmlns:asvg="http://schemas.microsoft.com/office/drawing/2016/SVG/main" r:embed="rId23"/>
+                <asvg:svgBlip xmlns:asvg="http://schemas.microsoft.com/office/drawing/2016/SVG/main" xmlns:p="http://schemas.openxmlformats.org/presentationml/2006/main" xmlns:r="http://schemas.openxmlformats.org/officeDocument/2006/relationships" xmlns:a="http://schemas.openxmlformats.org/drawingml/2006/main" xmlns="" r:embed="rId23"/>
               </a:ext>
             </a:extLst>
           </a:blip>
@@ -14394,7 +14689,7 @@
             <a:alphaModFix/>
             <a:extLst>
               <a:ext uri="{96DAC541-7B7A-43D3-8B79-37D633B846F1}">
-                <asvg:svgBlip xmlns:asvg="http://schemas.microsoft.com/office/drawing/2016/SVG/main" r:embed="rId23"/>
+                <asvg:svgBlip xmlns:asvg="http://schemas.microsoft.com/office/drawing/2016/SVG/main" xmlns:p="http://schemas.openxmlformats.org/presentationml/2006/main" xmlns:r="http://schemas.openxmlformats.org/officeDocument/2006/relationships" xmlns:a="http://schemas.openxmlformats.org/drawingml/2006/main" xmlns="" r:embed="rId23"/>
               </a:ext>
             </a:extLst>
           </a:blip>
@@ -14437,7 +14732,7 @@
             <a:alphaModFix/>
             <a:extLst>
               <a:ext uri="{96DAC541-7B7A-43D3-8B79-37D633B846F1}">
-                <asvg:svgBlip xmlns:asvg="http://schemas.microsoft.com/office/drawing/2016/SVG/main" r:embed="rId23"/>
+                <asvg:svgBlip xmlns:asvg="http://schemas.microsoft.com/office/drawing/2016/SVG/main" xmlns:p="http://schemas.openxmlformats.org/presentationml/2006/main" xmlns:r="http://schemas.openxmlformats.org/officeDocument/2006/relationships" xmlns:a="http://schemas.openxmlformats.org/drawingml/2006/main" xmlns="" r:embed="rId23"/>
               </a:ext>
             </a:extLst>
           </a:blip>
@@ -14611,7 +14906,7 @@
             <a:alphaModFix/>
             <a:extLst>
               <a:ext uri="{96DAC541-7B7A-43D3-8B79-37D633B846F1}">
-                <asvg:svgBlip xmlns:asvg="http://schemas.microsoft.com/office/drawing/2016/SVG/main" r:embed="rId7"/>
+                <asvg:svgBlip xmlns:asvg="http://schemas.microsoft.com/office/drawing/2016/SVG/main" xmlns:p="http://schemas.openxmlformats.org/presentationml/2006/main" xmlns:r="http://schemas.openxmlformats.org/officeDocument/2006/relationships" xmlns:a="http://schemas.openxmlformats.org/drawingml/2006/main" xmlns="" r:embed="rId7"/>
               </a:ext>
             </a:extLst>
           </a:blip>
@@ -14654,7 +14949,7 @@
             <a:alphaModFix/>
             <a:extLst>
               <a:ext uri="{96DAC541-7B7A-43D3-8B79-37D633B846F1}">
-                <asvg:svgBlip xmlns:asvg="http://schemas.microsoft.com/office/drawing/2016/SVG/main" r:embed="rId7"/>
+                <asvg:svgBlip xmlns:asvg="http://schemas.microsoft.com/office/drawing/2016/SVG/main" xmlns:p="http://schemas.openxmlformats.org/presentationml/2006/main" xmlns:r="http://schemas.openxmlformats.org/officeDocument/2006/relationships" xmlns:a="http://schemas.openxmlformats.org/drawingml/2006/main" xmlns="" r:embed="rId7"/>
               </a:ext>
             </a:extLst>
           </a:blip>
@@ -14697,7 +14992,7 @@
             <a:alphaModFix/>
             <a:extLst>
               <a:ext uri="{96DAC541-7B7A-43D3-8B79-37D633B846F1}">
-                <asvg:svgBlip xmlns:asvg="http://schemas.microsoft.com/office/drawing/2016/SVG/main" r:embed="rId7"/>
+                <asvg:svgBlip xmlns:asvg="http://schemas.microsoft.com/office/drawing/2016/SVG/main" xmlns:p="http://schemas.openxmlformats.org/presentationml/2006/main" xmlns:r="http://schemas.openxmlformats.org/officeDocument/2006/relationships" xmlns:a="http://schemas.openxmlformats.org/drawingml/2006/main" xmlns="" r:embed="rId7"/>
               </a:ext>
             </a:extLst>
           </a:blip>
@@ -14740,7 +15035,7 @@
             <a:alphaModFix/>
             <a:extLst>
               <a:ext uri="{96DAC541-7B7A-43D3-8B79-37D633B846F1}">
-                <asvg:svgBlip xmlns:asvg="http://schemas.microsoft.com/office/drawing/2016/SVG/main" r:embed="rId7"/>
+                <asvg:svgBlip xmlns:asvg="http://schemas.microsoft.com/office/drawing/2016/SVG/main" xmlns:p="http://schemas.openxmlformats.org/presentationml/2006/main" xmlns:r="http://schemas.openxmlformats.org/officeDocument/2006/relationships" xmlns:a="http://schemas.openxmlformats.org/drawingml/2006/main" xmlns="" r:embed="rId7"/>
               </a:ext>
             </a:extLst>
           </a:blip>
@@ -14859,6 +15154,13 @@
   <p:clrMapOvr>
     <a:masterClrMapping/>
   </p:clrMapOvr>
+  <p:timing>
+    <p:tnLst>
+      <p:par>
+        <p:cTn id="1" dur="indefinite" restart="never" nodeType="tmRoot"/>
+      </p:par>
+    </p:tnLst>
+  </p:timing>
 </p:sld>
 </file>
 

--- a/documentacao/sprint-3/storyboard-v2.pptx
+++ b/documentacao/sprint-3/storyboard-v2.pptx
@@ -4171,8 +4171,8 @@
         </p:nvSpPr>
         <p:spPr>
           <a:xfrm>
-            <a:off x="4018074" y="81024"/>
-            <a:ext cx="2044470" cy="584777"/>
+            <a:off x="2337425" y="81024"/>
+            <a:ext cx="5405775" cy="584775"/>
           </a:xfrm>
           <a:prstGeom prst="rect">
             <a:avLst/>
@@ -4208,7 +4208,7 @@
               </a:defRPr>
             </a:pPr>
             <a:r>
-              <a:rPr lang="pt-BR" sz="3200" b="0" i="0" u="none" strike="noStrike" kern="1200" cap="none" spc="0" baseline="0%">
+              <a:rPr lang="pt-BR" sz="3200" b="0" i="0" u="none" strike="noStrike" kern="1200" cap="none" spc="0" baseline="0%" dirty="0" err="1" smtClean="0">
                 <a:solidFill>
                   <a:srgbClr val="000000"/>
                 </a:solidFill>
@@ -4217,6 +4217,33 @@
               </a:rPr>
               <a:t>StoryBoard</a:t>
             </a:r>
+            <a:r>
+              <a:rPr lang="pt-BR" sz="3200" b="0" i="0" u="none" strike="noStrike" kern="1200" cap="none" spc="0" baseline="0%" dirty="0" smtClean="0">
+                <a:solidFill>
+                  <a:srgbClr val="000000"/>
+                </a:solidFill>
+                <a:uFillTx/>
+                <a:latin typeface="Calibri"/>
+              </a:rPr>
+              <a:t> – Instalação do </a:t>
+            </a:r>
+            <a:r>
+              <a:rPr lang="pt-BR" sz="3200" b="0" i="0" u="none" strike="noStrike" kern="1200" cap="none" spc="0" baseline="0%" dirty="0" err="1" smtClean="0">
+                <a:solidFill>
+                  <a:srgbClr val="000000"/>
+                </a:solidFill>
+                <a:uFillTx/>
+                <a:latin typeface="Calibri"/>
+              </a:rPr>
+              <a:t>App</a:t>
+            </a:r>
+            <a:endParaRPr lang="pt-BR" sz="3200" b="0" i="0" u="none" strike="noStrike" kern="1200" cap="none" spc="0" baseline="0%" dirty="0">
+              <a:solidFill>
+                <a:srgbClr val="000000"/>
+              </a:solidFill>
+              <a:uFillTx/>
+              <a:latin typeface="Calibri"/>
+            </a:endParaRPr>
           </a:p>
         </p:txBody>
       </p:sp>
@@ -6113,7 +6140,7 @@
             <a:alphaModFix/>
             <a:extLst>
               <a:ext uri="{96DAC541-7B7A-43D3-8B79-37D633B846F1}">
-                <asvg:svgBlip xmlns:asvg="http://schemas.microsoft.com/office/drawing/2016/SVG/main" xmlns:p="http://schemas.openxmlformats.org/presentationml/2006/main" xmlns:r="http://schemas.openxmlformats.org/officeDocument/2006/relationships" xmlns:a="http://schemas.openxmlformats.org/drawingml/2006/main" xmlns="" r:embed="rId6"/>
+                <asvg:svgBlip xmlns="" xmlns:a="http://schemas.openxmlformats.org/drawingml/2006/main" xmlns:r="http://schemas.openxmlformats.org/officeDocument/2006/relationships" xmlns:p="http://schemas.openxmlformats.org/presentationml/2006/main" xmlns:asvg="http://schemas.microsoft.com/office/drawing/2016/SVG/main" r:embed="rId6"/>
               </a:ext>
             </a:extLst>
           </a:blip>
@@ -6156,7 +6183,7 @@
             <a:alphaModFix/>
             <a:extLst>
               <a:ext uri="{96DAC541-7B7A-43D3-8B79-37D633B846F1}">
-                <asvg:svgBlip xmlns:asvg="http://schemas.microsoft.com/office/drawing/2016/SVG/main" xmlns:p="http://schemas.openxmlformats.org/presentationml/2006/main" xmlns:r="http://schemas.openxmlformats.org/officeDocument/2006/relationships" xmlns:a="http://schemas.openxmlformats.org/drawingml/2006/main" xmlns="" r:embed="rId6"/>
+                <asvg:svgBlip xmlns="" xmlns:a="http://schemas.openxmlformats.org/drawingml/2006/main" xmlns:r="http://schemas.openxmlformats.org/officeDocument/2006/relationships" xmlns:p="http://schemas.openxmlformats.org/presentationml/2006/main" xmlns:asvg="http://schemas.microsoft.com/office/drawing/2016/SVG/main" r:embed="rId6"/>
               </a:ext>
             </a:extLst>
           </a:blip>
@@ -7197,6 +7224,264 @@
           </a:prstGeom>
         </p:spPr>
       </p:pic>
+      <p:pic>
+        <p:nvPicPr>
+          <p:cNvPr id="59" name="Gráfico 105">
+            <a:extLst>
+              <a:ext uri="{FF2B5EF4-FFF2-40B4-BE49-F238E27FC236}">
+                <a16:creationId xmlns:a16="http://schemas.microsoft.com/office/drawing/2014/main" id="{6C3B85C2-4B46-4901-8113-90395D8E54C7}"/>
+              </a:ext>
+            </a:extLst>
+          </p:cNvPr>
+          <p:cNvPicPr>
+            <a:picLocks noChangeAspect="1"/>
+          </p:cNvPicPr>
+          <p:nvPr/>
+        </p:nvPicPr>
+        <p:blipFill>
+          <a:blip r:embed="rId13">
+            <a:lum/>
+            <a:alphaModFix/>
+            <a:extLst>
+              <a:ext uri="{96DAC541-7B7A-43D3-8B79-37D633B846F1}">
+                <asvg:svgBlip xmlns="" xmlns:a="http://schemas.openxmlformats.org/drawingml/2006/main" xmlns:r="http://schemas.openxmlformats.org/officeDocument/2006/relationships" xmlns:p="http://schemas.openxmlformats.org/presentationml/2006/main" xmlns:asvg="http://schemas.microsoft.com/office/drawing/2016/SVG/main" r:embed="rId23"/>
+              </a:ext>
+            </a:extLst>
+          </a:blip>
+          <a:srcRect/>
+          <a:stretch>
+            <a:fillRect/>
+          </a:stretch>
+        </p:blipFill>
+        <p:spPr>
+          <a:xfrm>
+            <a:off x="3898512" y="3693515"/>
+            <a:ext cx="361757" cy="361757"/>
+          </a:xfrm>
+          <a:prstGeom prst="rect">
+            <a:avLst/>
+          </a:prstGeom>
+          <a:noFill/>
+          <a:ln cap="flat">
+            <a:noFill/>
+          </a:ln>
+        </p:spPr>
+      </p:pic>
+      <p:pic>
+        <p:nvPicPr>
+          <p:cNvPr id="60" name="Gráfico 105">
+            <a:extLst>
+              <a:ext uri="{FF2B5EF4-FFF2-40B4-BE49-F238E27FC236}">
+                <a16:creationId xmlns:a16="http://schemas.microsoft.com/office/drawing/2014/main" id="{6C3B85C2-4B46-4901-8113-90395D8E54C7}"/>
+              </a:ext>
+            </a:extLst>
+          </p:cNvPr>
+          <p:cNvPicPr>
+            <a:picLocks noChangeAspect="1"/>
+          </p:cNvPicPr>
+          <p:nvPr/>
+        </p:nvPicPr>
+        <p:blipFill>
+          <a:blip r:embed="rId13">
+            <a:lum/>
+            <a:alphaModFix/>
+            <a:extLst>
+              <a:ext uri="{96DAC541-7B7A-43D3-8B79-37D633B846F1}">
+                <asvg:svgBlip xmlns="" xmlns:a="http://schemas.openxmlformats.org/drawingml/2006/main" xmlns:r="http://schemas.openxmlformats.org/officeDocument/2006/relationships" xmlns:p="http://schemas.openxmlformats.org/presentationml/2006/main" xmlns:asvg="http://schemas.microsoft.com/office/drawing/2016/SVG/main" r:embed="rId23"/>
+              </a:ext>
+            </a:extLst>
+          </a:blip>
+          <a:srcRect/>
+          <a:stretch>
+            <a:fillRect/>
+          </a:stretch>
+        </p:blipFill>
+        <p:spPr>
+          <a:xfrm>
+            <a:off x="495606" y="3728080"/>
+            <a:ext cx="361757" cy="361757"/>
+          </a:xfrm>
+          <a:prstGeom prst="rect">
+            <a:avLst/>
+          </a:prstGeom>
+          <a:noFill/>
+          <a:ln cap="flat">
+            <a:noFill/>
+          </a:ln>
+        </p:spPr>
+      </p:pic>
+      <p:pic>
+        <p:nvPicPr>
+          <p:cNvPr id="61" name="Gráfico 105">
+            <a:extLst>
+              <a:ext uri="{FF2B5EF4-FFF2-40B4-BE49-F238E27FC236}">
+                <a16:creationId xmlns:a16="http://schemas.microsoft.com/office/drawing/2014/main" id="{6C3B85C2-4B46-4901-8113-90395D8E54C7}"/>
+              </a:ext>
+            </a:extLst>
+          </p:cNvPr>
+          <p:cNvPicPr>
+            <a:picLocks noChangeAspect="1"/>
+          </p:cNvPicPr>
+          <p:nvPr/>
+        </p:nvPicPr>
+        <p:blipFill>
+          <a:blip r:embed="rId13">
+            <a:lum/>
+            <a:alphaModFix/>
+            <a:extLst>
+              <a:ext uri="{96DAC541-7B7A-43D3-8B79-37D633B846F1}">
+                <asvg:svgBlip xmlns="" xmlns:a="http://schemas.openxmlformats.org/drawingml/2006/main" xmlns:r="http://schemas.openxmlformats.org/officeDocument/2006/relationships" xmlns:p="http://schemas.openxmlformats.org/presentationml/2006/main" xmlns:asvg="http://schemas.microsoft.com/office/drawing/2016/SVG/main" r:embed="rId23"/>
+              </a:ext>
+            </a:extLst>
+          </a:blip>
+          <a:srcRect/>
+          <a:stretch>
+            <a:fillRect/>
+          </a:stretch>
+        </p:blipFill>
+        <p:spPr>
+          <a:xfrm>
+            <a:off x="497282" y="1289924"/>
+            <a:ext cx="361757" cy="361757"/>
+          </a:xfrm>
+          <a:prstGeom prst="rect">
+            <a:avLst/>
+          </a:prstGeom>
+          <a:noFill/>
+          <a:ln cap="flat">
+            <a:noFill/>
+          </a:ln>
+        </p:spPr>
+      </p:pic>
+      <p:pic>
+        <p:nvPicPr>
+          <p:cNvPr id="64" name="Gráfico 105">
+            <a:extLst>
+              <a:ext uri="{FF2B5EF4-FFF2-40B4-BE49-F238E27FC236}">
+                <a16:creationId xmlns:a16="http://schemas.microsoft.com/office/drawing/2014/main" id="{6C3B85C2-4B46-4901-8113-90395D8E54C7}"/>
+              </a:ext>
+            </a:extLst>
+          </p:cNvPr>
+          <p:cNvPicPr>
+            <a:picLocks noChangeAspect="1"/>
+          </p:cNvPicPr>
+          <p:nvPr/>
+        </p:nvPicPr>
+        <p:blipFill>
+          <a:blip r:embed="rId13">
+            <a:lum/>
+            <a:alphaModFix/>
+            <a:extLst>
+              <a:ext uri="{96DAC541-7B7A-43D3-8B79-37D633B846F1}">
+                <asvg:svgBlip xmlns="" xmlns:a="http://schemas.openxmlformats.org/drawingml/2006/main" xmlns:r="http://schemas.openxmlformats.org/officeDocument/2006/relationships" xmlns:p="http://schemas.openxmlformats.org/presentationml/2006/main" xmlns:asvg="http://schemas.microsoft.com/office/drawing/2016/SVG/main" r:embed="rId23"/>
+              </a:ext>
+            </a:extLst>
+          </a:blip>
+          <a:srcRect/>
+          <a:stretch>
+            <a:fillRect/>
+          </a:stretch>
+        </p:blipFill>
+        <p:spPr>
+          <a:xfrm>
+            <a:off x="3898512" y="1259658"/>
+            <a:ext cx="361757" cy="361757"/>
+          </a:xfrm>
+          <a:prstGeom prst="rect">
+            <a:avLst/>
+          </a:prstGeom>
+          <a:noFill/>
+          <a:ln cap="flat">
+            <a:noFill/>
+          </a:ln>
+        </p:spPr>
+      </p:pic>
+      <p:pic>
+        <p:nvPicPr>
+          <p:cNvPr id="65" name="Gráfico 105">
+            <a:extLst>
+              <a:ext uri="{FF2B5EF4-FFF2-40B4-BE49-F238E27FC236}">
+                <a16:creationId xmlns:a16="http://schemas.microsoft.com/office/drawing/2014/main" id="{6C3B85C2-4B46-4901-8113-90395D8E54C7}"/>
+              </a:ext>
+            </a:extLst>
+          </p:cNvPr>
+          <p:cNvPicPr>
+            <a:picLocks noChangeAspect="1"/>
+          </p:cNvPicPr>
+          <p:nvPr/>
+        </p:nvPicPr>
+        <p:blipFill>
+          <a:blip r:embed="rId13">
+            <a:lum/>
+            <a:alphaModFix/>
+            <a:extLst>
+              <a:ext uri="{96DAC541-7B7A-43D3-8B79-37D633B846F1}">
+                <asvg:svgBlip xmlns="" xmlns:a="http://schemas.openxmlformats.org/drawingml/2006/main" xmlns:r="http://schemas.openxmlformats.org/officeDocument/2006/relationships" xmlns:p="http://schemas.openxmlformats.org/presentationml/2006/main" xmlns:asvg="http://schemas.microsoft.com/office/drawing/2016/SVG/main" r:embed="rId23"/>
+              </a:ext>
+            </a:extLst>
+          </a:blip>
+          <a:srcRect/>
+          <a:stretch>
+            <a:fillRect/>
+          </a:stretch>
+        </p:blipFill>
+        <p:spPr>
+          <a:xfrm>
+            <a:off x="7219740" y="1251847"/>
+            <a:ext cx="361757" cy="361757"/>
+          </a:xfrm>
+          <a:prstGeom prst="rect">
+            <a:avLst/>
+          </a:prstGeom>
+          <a:noFill/>
+          <a:ln cap="flat">
+            <a:noFill/>
+          </a:ln>
+        </p:spPr>
+      </p:pic>
+      <p:pic>
+        <p:nvPicPr>
+          <p:cNvPr id="66" name="Gráfico 105">
+            <a:extLst>
+              <a:ext uri="{FF2B5EF4-FFF2-40B4-BE49-F238E27FC236}">
+                <a16:creationId xmlns:a16="http://schemas.microsoft.com/office/drawing/2014/main" id="{6C3B85C2-4B46-4901-8113-90395D8E54C7}"/>
+              </a:ext>
+            </a:extLst>
+          </p:cNvPr>
+          <p:cNvPicPr>
+            <a:picLocks noChangeAspect="1"/>
+          </p:cNvPicPr>
+          <p:nvPr/>
+        </p:nvPicPr>
+        <p:blipFill>
+          <a:blip r:embed="rId13">
+            <a:lum/>
+            <a:alphaModFix/>
+            <a:extLst>
+              <a:ext uri="{96DAC541-7B7A-43D3-8B79-37D633B846F1}">
+                <asvg:svgBlip xmlns="" xmlns:a="http://schemas.openxmlformats.org/drawingml/2006/main" xmlns:r="http://schemas.openxmlformats.org/officeDocument/2006/relationships" xmlns:p="http://schemas.openxmlformats.org/presentationml/2006/main" xmlns:asvg="http://schemas.microsoft.com/office/drawing/2016/SVG/main" r:embed="rId23"/>
+              </a:ext>
+            </a:extLst>
+          </a:blip>
+          <a:srcRect/>
+          <a:stretch>
+            <a:fillRect/>
+          </a:stretch>
+        </p:blipFill>
+        <p:spPr>
+          <a:xfrm>
+            <a:off x="7231748" y="3661877"/>
+            <a:ext cx="361757" cy="361757"/>
+          </a:xfrm>
+          <a:prstGeom prst="rect">
+            <a:avLst/>
+          </a:prstGeom>
+          <a:noFill/>
+          <a:ln cap="flat">
+            <a:noFill/>
+          </a:ln>
+        </p:spPr>
+      </p:pic>
     </p:spTree>
   </p:cSld>
   <p:clrMapOvr>
@@ -7243,8 +7528,8 @@
         </p:nvSpPr>
         <p:spPr>
           <a:xfrm>
-            <a:off x="4018074" y="81024"/>
-            <a:ext cx="2044470" cy="584777"/>
+            <a:off x="2098610" y="81024"/>
+            <a:ext cx="5883405" cy="584775"/>
           </a:xfrm>
           <a:prstGeom prst="rect">
             <a:avLst/>
@@ -7280,7 +7565,7 @@
               </a:defRPr>
             </a:pPr>
             <a:r>
-              <a:rPr lang="pt-BR" sz="3200" b="0" i="0" u="none" strike="noStrike" kern="1200" cap="none" spc="0" baseline="0%">
+              <a:rPr lang="pt-BR" sz="3200" b="0" i="0" u="none" strike="noStrike" kern="1200" cap="none" spc="0" baseline="0%" dirty="0" err="1" smtClean="0">
                 <a:solidFill>
                   <a:srgbClr val="000000"/>
                 </a:solidFill>
@@ -7289,6 +7574,33 @@
               </a:rPr>
               <a:t>StoryBoard</a:t>
             </a:r>
+            <a:r>
+              <a:rPr lang="pt-BR" sz="3200" b="0" i="0" u="none" strike="noStrike" kern="1200" cap="none" spc="0" baseline="0%" dirty="0" smtClean="0">
+                <a:solidFill>
+                  <a:srgbClr val="000000"/>
+                </a:solidFill>
+                <a:uFillTx/>
+                <a:latin typeface="Calibri"/>
+              </a:rPr>
+              <a:t> – Conexão</a:t>
+            </a:r>
+            <a:r>
+              <a:rPr lang="pt-BR" sz="3200" b="0" i="0" u="none" strike="noStrike" kern="1200" cap="none" spc="0" dirty="0" smtClean="0">
+                <a:solidFill>
+                  <a:srgbClr val="000000"/>
+                </a:solidFill>
+                <a:uFillTx/>
+                <a:latin typeface="Calibri"/>
+              </a:rPr>
+              <a:t> no Servidor</a:t>
+            </a:r>
+            <a:endParaRPr lang="pt-BR" sz="3200" b="0" i="0" u="none" strike="noStrike" kern="1200" cap="none" spc="0" baseline="0%" dirty="0">
+              <a:solidFill>
+                <a:srgbClr val="000000"/>
+              </a:solidFill>
+              <a:uFillTx/>
+              <a:latin typeface="Calibri"/>
+            </a:endParaRPr>
           </a:p>
         </p:txBody>
       </p:sp>
@@ -11090,7 +11402,7 @@
             <a:alphaModFix/>
             <a:extLst>
               <a:ext uri="{96DAC541-7B7A-43D3-8B79-37D633B846F1}">
-                <asvg:svgBlip xmlns:asvg="http://schemas.microsoft.com/office/drawing/2016/SVG/main" xmlns:p="http://schemas.openxmlformats.org/presentationml/2006/main" xmlns:r="http://schemas.openxmlformats.org/officeDocument/2006/relationships" xmlns:a="http://schemas.openxmlformats.org/drawingml/2006/main" xmlns="" r:embed="rId7"/>
+                <asvg:svgBlip xmlns="" xmlns:a="http://schemas.openxmlformats.org/drawingml/2006/main" xmlns:r="http://schemas.openxmlformats.org/officeDocument/2006/relationships" xmlns:p="http://schemas.openxmlformats.org/presentationml/2006/main" xmlns:asvg="http://schemas.microsoft.com/office/drawing/2016/SVG/main" r:embed="rId7"/>
               </a:ext>
             </a:extLst>
           </a:blip>
@@ -11133,7 +11445,7 @@
             <a:alphaModFix/>
             <a:extLst>
               <a:ext uri="{96DAC541-7B7A-43D3-8B79-37D633B846F1}">
-                <asvg:svgBlip xmlns:asvg="http://schemas.microsoft.com/office/drawing/2016/SVG/main" xmlns:p="http://schemas.openxmlformats.org/presentationml/2006/main" xmlns:r="http://schemas.openxmlformats.org/officeDocument/2006/relationships" xmlns:a="http://schemas.openxmlformats.org/drawingml/2006/main" xmlns="" r:embed="rId7"/>
+                <asvg:svgBlip xmlns="" xmlns:a="http://schemas.openxmlformats.org/drawingml/2006/main" xmlns:r="http://schemas.openxmlformats.org/officeDocument/2006/relationships" xmlns:p="http://schemas.openxmlformats.org/presentationml/2006/main" xmlns:asvg="http://schemas.microsoft.com/office/drawing/2016/SVG/main" r:embed="rId7"/>
               </a:ext>
             </a:extLst>
           </a:blip>
@@ -11176,7 +11488,7 @@
             <a:alphaModFix/>
             <a:extLst>
               <a:ext uri="{96DAC541-7B7A-43D3-8B79-37D633B846F1}">
-                <asvg:svgBlip xmlns:asvg="http://schemas.microsoft.com/office/drawing/2016/SVG/main" xmlns:p="http://schemas.openxmlformats.org/presentationml/2006/main" xmlns:r="http://schemas.openxmlformats.org/officeDocument/2006/relationships" xmlns:a="http://schemas.openxmlformats.org/drawingml/2006/main" xmlns="" r:embed="rId7"/>
+                <asvg:svgBlip xmlns="" xmlns:a="http://schemas.openxmlformats.org/drawingml/2006/main" xmlns:r="http://schemas.openxmlformats.org/officeDocument/2006/relationships" xmlns:p="http://schemas.openxmlformats.org/presentationml/2006/main" xmlns:asvg="http://schemas.microsoft.com/office/drawing/2016/SVG/main" r:embed="rId7"/>
               </a:ext>
             </a:extLst>
           </a:blip>
@@ -11257,7 +11569,7 @@
             <a:alphaModFix/>
             <a:extLst>
               <a:ext uri="{96DAC541-7B7A-43D3-8B79-37D633B846F1}">
-                <asvg:svgBlip xmlns:asvg="http://schemas.microsoft.com/office/drawing/2016/SVG/main" xmlns:p="http://schemas.openxmlformats.org/presentationml/2006/main" xmlns:r="http://schemas.openxmlformats.org/officeDocument/2006/relationships" xmlns:a="http://schemas.openxmlformats.org/drawingml/2006/main" xmlns="" r:embed="rId10"/>
+                <asvg:svgBlip xmlns="" xmlns:a="http://schemas.openxmlformats.org/drawingml/2006/main" xmlns:r="http://schemas.openxmlformats.org/officeDocument/2006/relationships" xmlns:p="http://schemas.openxmlformats.org/presentationml/2006/main" xmlns:asvg="http://schemas.microsoft.com/office/drawing/2016/SVG/main" r:embed="rId10"/>
               </a:ext>
             </a:extLst>
           </a:blip>
@@ -11300,7 +11612,7 @@
             <a:alphaModFix/>
             <a:extLst>
               <a:ext uri="{96DAC541-7B7A-43D3-8B79-37D633B846F1}">
-                <asvg:svgBlip xmlns:asvg="http://schemas.microsoft.com/office/drawing/2016/SVG/main" xmlns:p="http://schemas.openxmlformats.org/presentationml/2006/main" xmlns:r="http://schemas.openxmlformats.org/officeDocument/2006/relationships" xmlns:a="http://schemas.openxmlformats.org/drawingml/2006/main" xmlns="" r:embed="rId12"/>
+                <asvg:svgBlip xmlns="" xmlns:a="http://schemas.openxmlformats.org/drawingml/2006/main" xmlns:r="http://schemas.openxmlformats.org/officeDocument/2006/relationships" xmlns:p="http://schemas.openxmlformats.org/presentationml/2006/main" xmlns:asvg="http://schemas.microsoft.com/office/drawing/2016/SVG/main" r:embed="rId12"/>
               </a:ext>
             </a:extLst>
           </a:blip>
@@ -12065,7 +12377,7 @@
             <a:alphaModFix/>
             <a:extLst>
               <a:ext uri="{96DAC541-7B7A-43D3-8B79-37D633B846F1}">
-                <asvg:svgBlip xmlns:asvg="http://schemas.microsoft.com/office/drawing/2016/SVG/main" xmlns:p="http://schemas.openxmlformats.org/presentationml/2006/main" xmlns:r="http://schemas.openxmlformats.org/officeDocument/2006/relationships" xmlns:a="http://schemas.openxmlformats.org/drawingml/2006/main" xmlns="" r:embed="rId7"/>
+                <asvg:svgBlip xmlns="" xmlns:a="http://schemas.openxmlformats.org/drawingml/2006/main" xmlns:r="http://schemas.openxmlformats.org/officeDocument/2006/relationships" xmlns:p="http://schemas.openxmlformats.org/presentationml/2006/main" xmlns:asvg="http://schemas.microsoft.com/office/drawing/2016/SVG/main" r:embed="rId7"/>
               </a:ext>
             </a:extLst>
           </a:blip>
@@ -12108,7 +12420,7 @@
             <a:alphaModFix/>
             <a:extLst>
               <a:ext uri="{96DAC541-7B7A-43D3-8B79-37D633B846F1}">
-                <asvg:svgBlip xmlns:asvg="http://schemas.microsoft.com/office/drawing/2016/SVG/main" xmlns:p="http://schemas.openxmlformats.org/presentationml/2006/main" xmlns:r="http://schemas.openxmlformats.org/officeDocument/2006/relationships" xmlns:a="http://schemas.openxmlformats.org/drawingml/2006/main" xmlns="" r:embed="rId15"/>
+                <asvg:svgBlip xmlns="" xmlns:a="http://schemas.openxmlformats.org/drawingml/2006/main" xmlns:r="http://schemas.openxmlformats.org/officeDocument/2006/relationships" xmlns:p="http://schemas.openxmlformats.org/presentationml/2006/main" xmlns:asvg="http://schemas.microsoft.com/office/drawing/2016/SVG/main" r:embed="rId15"/>
               </a:ext>
             </a:extLst>
           </a:blip>
@@ -12151,7 +12463,7 @@
             <a:alphaModFix/>
             <a:extLst>
               <a:ext uri="{96DAC541-7B7A-43D3-8B79-37D633B846F1}">
-                <asvg:svgBlip xmlns:asvg="http://schemas.microsoft.com/office/drawing/2016/SVG/main" xmlns:p="http://schemas.openxmlformats.org/presentationml/2006/main" xmlns:r="http://schemas.openxmlformats.org/officeDocument/2006/relationships" xmlns:a="http://schemas.openxmlformats.org/drawingml/2006/main" xmlns="" r:embed="rId17"/>
+                <asvg:svgBlip xmlns="" xmlns:a="http://schemas.openxmlformats.org/drawingml/2006/main" xmlns:r="http://schemas.openxmlformats.org/officeDocument/2006/relationships" xmlns:p="http://schemas.openxmlformats.org/presentationml/2006/main" xmlns:asvg="http://schemas.microsoft.com/office/drawing/2016/SVG/main" r:embed="rId17"/>
               </a:ext>
             </a:extLst>
           </a:blip>
@@ -12194,7 +12506,7 @@
             <a:alphaModFix/>
             <a:extLst>
               <a:ext uri="{96DAC541-7B7A-43D3-8B79-37D633B846F1}">
-                <asvg:svgBlip xmlns:asvg="http://schemas.microsoft.com/office/drawing/2016/SVG/main" xmlns:p="http://schemas.openxmlformats.org/presentationml/2006/main" xmlns:r="http://schemas.openxmlformats.org/officeDocument/2006/relationships" xmlns:a="http://schemas.openxmlformats.org/drawingml/2006/main" xmlns="" r:embed="rId19"/>
+                <asvg:svgBlip xmlns="" xmlns:a="http://schemas.openxmlformats.org/drawingml/2006/main" xmlns:r="http://schemas.openxmlformats.org/officeDocument/2006/relationships" xmlns:p="http://schemas.openxmlformats.org/presentationml/2006/main" xmlns:asvg="http://schemas.microsoft.com/office/drawing/2016/SVG/main" r:embed="rId19"/>
               </a:ext>
             </a:extLst>
           </a:blip>
@@ -12237,7 +12549,7 @@
             <a:alphaModFix/>
             <a:extLst>
               <a:ext uri="{96DAC541-7B7A-43D3-8B79-37D633B846F1}">
-                <asvg:svgBlip xmlns:asvg="http://schemas.microsoft.com/office/drawing/2016/SVG/main" xmlns:p="http://schemas.openxmlformats.org/presentationml/2006/main" xmlns:r="http://schemas.openxmlformats.org/officeDocument/2006/relationships" xmlns:a="http://schemas.openxmlformats.org/drawingml/2006/main" xmlns="" r:embed="rId17"/>
+                <asvg:svgBlip xmlns="" xmlns:a="http://schemas.openxmlformats.org/drawingml/2006/main" xmlns:r="http://schemas.openxmlformats.org/officeDocument/2006/relationships" xmlns:p="http://schemas.openxmlformats.org/presentationml/2006/main" xmlns:asvg="http://schemas.microsoft.com/office/drawing/2016/SVG/main" r:embed="rId17"/>
               </a:ext>
             </a:extLst>
           </a:blip>
@@ -12280,7 +12592,7 @@
             <a:alphaModFix/>
             <a:extLst>
               <a:ext uri="{96DAC541-7B7A-43D3-8B79-37D633B846F1}">
-                <asvg:svgBlip xmlns:asvg="http://schemas.microsoft.com/office/drawing/2016/SVG/main" xmlns:p="http://schemas.openxmlformats.org/presentationml/2006/main" xmlns:r="http://schemas.openxmlformats.org/officeDocument/2006/relationships" xmlns:a="http://schemas.openxmlformats.org/drawingml/2006/main" xmlns="" r:embed="rId7"/>
+                <asvg:svgBlip xmlns="" xmlns:a="http://schemas.openxmlformats.org/drawingml/2006/main" xmlns:r="http://schemas.openxmlformats.org/officeDocument/2006/relationships" xmlns:p="http://schemas.openxmlformats.org/presentationml/2006/main" xmlns:asvg="http://schemas.microsoft.com/office/drawing/2016/SVG/main" r:embed="rId7"/>
               </a:ext>
             </a:extLst>
           </a:blip>
@@ -12461,7 +12773,7 @@
             <a:alphaModFix/>
             <a:extLst>
               <a:ext uri="{96DAC541-7B7A-43D3-8B79-37D633B846F1}">
-                <asvg:svgBlip xmlns:asvg="http://schemas.microsoft.com/office/drawing/2016/SVG/main" xmlns:p="http://schemas.openxmlformats.org/presentationml/2006/main" xmlns:r="http://schemas.openxmlformats.org/officeDocument/2006/relationships" xmlns:a="http://schemas.openxmlformats.org/drawingml/2006/main" xmlns="" r:embed="rId7"/>
+                <asvg:svgBlip xmlns="" xmlns:a="http://schemas.openxmlformats.org/drawingml/2006/main" xmlns:r="http://schemas.openxmlformats.org/officeDocument/2006/relationships" xmlns:p="http://schemas.openxmlformats.org/presentationml/2006/main" xmlns:asvg="http://schemas.microsoft.com/office/drawing/2016/SVG/main" r:embed="rId7"/>
               </a:ext>
             </a:extLst>
           </a:blip>
@@ -12677,7 +12989,7 @@
             <a:alphaModFix/>
             <a:extLst>
               <a:ext uri="{96DAC541-7B7A-43D3-8B79-37D633B846F1}">
-                <asvg:svgBlip xmlns:asvg="http://schemas.microsoft.com/office/drawing/2016/SVG/main" xmlns:p="http://schemas.openxmlformats.org/presentationml/2006/main" xmlns:r="http://schemas.openxmlformats.org/officeDocument/2006/relationships" xmlns:a="http://schemas.openxmlformats.org/drawingml/2006/main" xmlns="" r:embed="rId19"/>
+                <asvg:svgBlip xmlns="" xmlns:a="http://schemas.openxmlformats.org/drawingml/2006/main" xmlns:r="http://schemas.openxmlformats.org/officeDocument/2006/relationships" xmlns:p="http://schemas.openxmlformats.org/presentationml/2006/main" xmlns:asvg="http://schemas.microsoft.com/office/drawing/2016/SVG/main" r:embed="rId19"/>
               </a:ext>
             </a:extLst>
           </a:blip>
@@ -12720,7 +13032,7 @@
             <a:alphaModFix/>
             <a:extLst>
               <a:ext uri="{96DAC541-7B7A-43D3-8B79-37D633B846F1}">
-                <asvg:svgBlip xmlns:asvg="http://schemas.microsoft.com/office/drawing/2016/SVG/main" xmlns:p="http://schemas.openxmlformats.org/presentationml/2006/main" xmlns:r="http://schemas.openxmlformats.org/officeDocument/2006/relationships" xmlns:a="http://schemas.openxmlformats.org/drawingml/2006/main" xmlns="" r:embed="rId19"/>
+                <asvg:svgBlip xmlns="" xmlns:a="http://schemas.openxmlformats.org/drawingml/2006/main" xmlns:r="http://schemas.openxmlformats.org/officeDocument/2006/relationships" xmlns:p="http://schemas.openxmlformats.org/presentationml/2006/main" xmlns:asvg="http://schemas.microsoft.com/office/drawing/2016/SVG/main" r:embed="rId19"/>
               </a:ext>
             </a:extLst>
           </a:blip>
@@ -12763,7 +13075,7 @@
             <a:alphaModFix/>
             <a:extLst>
               <a:ext uri="{96DAC541-7B7A-43D3-8B79-37D633B846F1}">
-                <asvg:svgBlip xmlns:asvg="http://schemas.microsoft.com/office/drawing/2016/SVG/main" xmlns:p="http://schemas.openxmlformats.org/presentationml/2006/main" xmlns:r="http://schemas.openxmlformats.org/officeDocument/2006/relationships" xmlns:a="http://schemas.openxmlformats.org/drawingml/2006/main" xmlns="" r:embed="rId19"/>
+                <asvg:svgBlip xmlns="" xmlns:a="http://schemas.openxmlformats.org/drawingml/2006/main" xmlns:r="http://schemas.openxmlformats.org/officeDocument/2006/relationships" xmlns:p="http://schemas.openxmlformats.org/presentationml/2006/main" xmlns:asvg="http://schemas.microsoft.com/office/drawing/2016/SVG/main" r:embed="rId19"/>
               </a:ext>
             </a:extLst>
           </a:blip>
@@ -12806,7 +13118,7 @@
             <a:alphaModFix/>
             <a:extLst>
               <a:ext uri="{96DAC541-7B7A-43D3-8B79-37D633B846F1}">
-                <asvg:svgBlip xmlns:asvg="http://schemas.microsoft.com/office/drawing/2016/SVG/main" xmlns:p="http://schemas.openxmlformats.org/presentationml/2006/main" xmlns:r="http://schemas.openxmlformats.org/officeDocument/2006/relationships" xmlns:a="http://schemas.openxmlformats.org/drawingml/2006/main" xmlns="" r:embed="rId21"/>
+                <asvg:svgBlip xmlns="" xmlns:a="http://schemas.openxmlformats.org/drawingml/2006/main" xmlns:r="http://schemas.openxmlformats.org/officeDocument/2006/relationships" xmlns:p="http://schemas.openxmlformats.org/presentationml/2006/main" xmlns:asvg="http://schemas.microsoft.com/office/drawing/2016/SVG/main" r:embed="rId21"/>
               </a:ext>
             </a:extLst>
           </a:blip>
@@ -12887,7 +13199,7 @@
             <a:alphaModFix/>
             <a:extLst>
               <a:ext uri="{96DAC541-7B7A-43D3-8B79-37D633B846F1}">
-                <asvg:svgBlip xmlns:asvg="http://schemas.microsoft.com/office/drawing/2016/SVG/main" xmlns:p="http://schemas.openxmlformats.org/presentationml/2006/main" xmlns:r="http://schemas.openxmlformats.org/officeDocument/2006/relationships" xmlns:a="http://schemas.openxmlformats.org/drawingml/2006/main" xmlns="" r:embed="rId15"/>
+                <asvg:svgBlip xmlns="" xmlns:a="http://schemas.openxmlformats.org/drawingml/2006/main" xmlns:r="http://schemas.openxmlformats.org/officeDocument/2006/relationships" xmlns:p="http://schemas.openxmlformats.org/presentationml/2006/main" xmlns:asvg="http://schemas.microsoft.com/office/drawing/2016/SVG/main" r:embed="rId15"/>
               </a:ext>
             </a:extLst>
           </a:blip>
@@ -13122,7 +13434,7 @@
             <a:alphaModFix/>
             <a:extLst>
               <a:ext uri="{96DAC541-7B7A-43D3-8B79-37D633B846F1}">
-                <asvg:svgBlip xmlns:asvg="http://schemas.microsoft.com/office/drawing/2016/SVG/main" xmlns:p="http://schemas.openxmlformats.org/presentationml/2006/main" xmlns:r="http://schemas.openxmlformats.org/officeDocument/2006/relationships" xmlns:a="http://schemas.openxmlformats.org/drawingml/2006/main" xmlns="" r:embed="rId23"/>
+                <asvg:svgBlip xmlns="" xmlns:a="http://schemas.openxmlformats.org/drawingml/2006/main" xmlns:r="http://schemas.openxmlformats.org/officeDocument/2006/relationships" xmlns:p="http://schemas.openxmlformats.org/presentationml/2006/main" xmlns:asvg="http://schemas.microsoft.com/office/drawing/2016/SVG/main" r:embed="rId23"/>
               </a:ext>
             </a:extLst>
           </a:blip>
@@ -13203,7 +13515,7 @@
             <a:alphaModFix/>
             <a:extLst>
               <a:ext uri="{96DAC541-7B7A-43D3-8B79-37D633B846F1}">
-                <asvg:svgBlip xmlns:asvg="http://schemas.microsoft.com/office/drawing/2016/SVG/main" xmlns:p="http://schemas.openxmlformats.org/presentationml/2006/main" xmlns:r="http://schemas.openxmlformats.org/officeDocument/2006/relationships" xmlns:a="http://schemas.openxmlformats.org/drawingml/2006/main" xmlns="" r:embed="rId26"/>
+                <asvg:svgBlip xmlns="" xmlns:a="http://schemas.openxmlformats.org/drawingml/2006/main" xmlns:r="http://schemas.openxmlformats.org/officeDocument/2006/relationships" xmlns:p="http://schemas.openxmlformats.org/presentationml/2006/main" xmlns:asvg="http://schemas.microsoft.com/office/drawing/2016/SVG/main" r:embed="rId26"/>
               </a:ext>
             </a:extLst>
           </a:blip>
@@ -13973,7 +14285,7 @@
             <a:alphaModFix/>
             <a:extLst>
               <a:ext uri="{96DAC541-7B7A-43D3-8B79-37D633B846F1}">
-                <asvg:svgBlip xmlns:asvg="http://schemas.microsoft.com/office/drawing/2016/SVG/main" xmlns:p="http://schemas.openxmlformats.org/presentationml/2006/main" xmlns:r="http://schemas.openxmlformats.org/officeDocument/2006/relationships" xmlns:a="http://schemas.openxmlformats.org/drawingml/2006/main" xmlns="" r:embed="rId23"/>
+                <asvg:svgBlip xmlns="" xmlns:a="http://schemas.openxmlformats.org/drawingml/2006/main" xmlns:r="http://schemas.openxmlformats.org/officeDocument/2006/relationships" xmlns:p="http://schemas.openxmlformats.org/presentationml/2006/main" xmlns:asvg="http://schemas.microsoft.com/office/drawing/2016/SVG/main" r:embed="rId23"/>
               </a:ext>
             </a:extLst>
           </a:blip>
@@ -14292,7 +14604,7 @@
             <a:alphaModFix/>
             <a:extLst>
               <a:ext uri="{96DAC541-7B7A-43D3-8B79-37D633B846F1}">
-                <asvg:svgBlip xmlns:asvg="http://schemas.microsoft.com/office/drawing/2016/SVG/main" xmlns:p="http://schemas.openxmlformats.org/presentationml/2006/main" xmlns:r="http://schemas.openxmlformats.org/officeDocument/2006/relationships" xmlns:a="http://schemas.openxmlformats.org/drawingml/2006/main" xmlns="" r:embed="rId7"/>
+                <asvg:svgBlip xmlns="" xmlns:a="http://schemas.openxmlformats.org/drawingml/2006/main" xmlns:r="http://schemas.openxmlformats.org/officeDocument/2006/relationships" xmlns:p="http://schemas.openxmlformats.org/presentationml/2006/main" xmlns:asvg="http://schemas.microsoft.com/office/drawing/2016/SVG/main" r:embed="rId7"/>
               </a:ext>
             </a:extLst>
           </a:blip>
@@ -14365,7 +14677,7 @@
             <a:alphaModFix/>
             <a:extLst>
               <a:ext uri="{96DAC541-7B7A-43D3-8B79-37D633B846F1}">
-                <asvg:svgBlip xmlns:asvg="http://schemas.microsoft.com/office/drawing/2016/SVG/main" xmlns:p="http://schemas.openxmlformats.org/presentationml/2006/main" xmlns:r="http://schemas.openxmlformats.org/officeDocument/2006/relationships" xmlns:a="http://schemas.openxmlformats.org/drawingml/2006/main" xmlns="" r:embed="rId7"/>
+                <asvg:svgBlip xmlns="" xmlns:a="http://schemas.openxmlformats.org/drawingml/2006/main" xmlns:r="http://schemas.openxmlformats.org/officeDocument/2006/relationships" xmlns:p="http://schemas.openxmlformats.org/presentationml/2006/main" xmlns:asvg="http://schemas.microsoft.com/office/drawing/2016/SVG/main" r:embed="rId7"/>
               </a:ext>
             </a:extLst>
           </a:blip>
@@ -14408,7 +14720,7 @@
             <a:alphaModFix/>
             <a:extLst>
               <a:ext uri="{96DAC541-7B7A-43D3-8B79-37D633B846F1}">
-                <asvg:svgBlip xmlns:asvg="http://schemas.microsoft.com/office/drawing/2016/SVG/main" xmlns:p="http://schemas.openxmlformats.org/presentationml/2006/main" xmlns:r="http://schemas.openxmlformats.org/officeDocument/2006/relationships" xmlns:a="http://schemas.openxmlformats.org/drawingml/2006/main" xmlns="" r:embed="rId7"/>
+                <asvg:svgBlip xmlns="" xmlns:a="http://schemas.openxmlformats.org/drawingml/2006/main" xmlns:r="http://schemas.openxmlformats.org/officeDocument/2006/relationships" xmlns:p="http://schemas.openxmlformats.org/presentationml/2006/main" xmlns:asvg="http://schemas.microsoft.com/office/drawing/2016/SVG/main" r:embed="rId7"/>
               </a:ext>
             </a:extLst>
           </a:blip>
@@ -14603,7 +14915,7 @@
             <a:alphaModFix/>
             <a:extLst>
               <a:ext uri="{96DAC541-7B7A-43D3-8B79-37D633B846F1}">
-                <asvg:svgBlip xmlns:asvg="http://schemas.microsoft.com/office/drawing/2016/SVG/main" xmlns:p="http://schemas.openxmlformats.org/presentationml/2006/main" xmlns:r="http://schemas.openxmlformats.org/officeDocument/2006/relationships" xmlns:a="http://schemas.openxmlformats.org/drawingml/2006/main" xmlns="" r:embed="rId23"/>
+                <asvg:svgBlip xmlns="" xmlns:a="http://schemas.openxmlformats.org/drawingml/2006/main" xmlns:r="http://schemas.openxmlformats.org/officeDocument/2006/relationships" xmlns:p="http://schemas.openxmlformats.org/presentationml/2006/main" xmlns:asvg="http://schemas.microsoft.com/office/drawing/2016/SVG/main" r:embed="rId23"/>
               </a:ext>
             </a:extLst>
           </a:blip>
@@ -14646,7 +14958,7 @@
             <a:alphaModFix/>
             <a:extLst>
               <a:ext uri="{96DAC541-7B7A-43D3-8B79-37D633B846F1}">
-                <asvg:svgBlip xmlns:asvg="http://schemas.microsoft.com/office/drawing/2016/SVG/main" xmlns:p="http://schemas.openxmlformats.org/presentationml/2006/main" xmlns:r="http://schemas.openxmlformats.org/officeDocument/2006/relationships" xmlns:a="http://schemas.openxmlformats.org/drawingml/2006/main" xmlns="" r:embed="rId23"/>
+                <asvg:svgBlip xmlns="" xmlns:a="http://schemas.openxmlformats.org/drawingml/2006/main" xmlns:r="http://schemas.openxmlformats.org/officeDocument/2006/relationships" xmlns:p="http://schemas.openxmlformats.org/presentationml/2006/main" xmlns:asvg="http://schemas.microsoft.com/office/drawing/2016/SVG/main" r:embed="rId23"/>
               </a:ext>
             </a:extLst>
           </a:blip>
@@ -14689,7 +15001,7 @@
             <a:alphaModFix/>
             <a:extLst>
               <a:ext uri="{96DAC541-7B7A-43D3-8B79-37D633B846F1}">
-                <asvg:svgBlip xmlns:asvg="http://schemas.microsoft.com/office/drawing/2016/SVG/main" xmlns:p="http://schemas.openxmlformats.org/presentationml/2006/main" xmlns:r="http://schemas.openxmlformats.org/officeDocument/2006/relationships" xmlns:a="http://schemas.openxmlformats.org/drawingml/2006/main" xmlns="" r:embed="rId23"/>
+                <asvg:svgBlip xmlns="" xmlns:a="http://schemas.openxmlformats.org/drawingml/2006/main" xmlns:r="http://schemas.openxmlformats.org/officeDocument/2006/relationships" xmlns:p="http://schemas.openxmlformats.org/presentationml/2006/main" xmlns:asvg="http://schemas.microsoft.com/office/drawing/2016/SVG/main" r:embed="rId23"/>
               </a:ext>
             </a:extLst>
           </a:blip>
@@ -14732,7 +15044,7 @@
             <a:alphaModFix/>
             <a:extLst>
               <a:ext uri="{96DAC541-7B7A-43D3-8B79-37D633B846F1}">
-                <asvg:svgBlip xmlns:asvg="http://schemas.microsoft.com/office/drawing/2016/SVG/main" xmlns:p="http://schemas.openxmlformats.org/presentationml/2006/main" xmlns:r="http://schemas.openxmlformats.org/officeDocument/2006/relationships" xmlns:a="http://schemas.openxmlformats.org/drawingml/2006/main" xmlns="" r:embed="rId23"/>
+                <asvg:svgBlip xmlns="" xmlns:a="http://schemas.openxmlformats.org/drawingml/2006/main" xmlns:r="http://schemas.openxmlformats.org/officeDocument/2006/relationships" xmlns:p="http://schemas.openxmlformats.org/presentationml/2006/main" xmlns:asvg="http://schemas.microsoft.com/office/drawing/2016/SVG/main" r:embed="rId23"/>
               </a:ext>
             </a:extLst>
           </a:blip>
@@ -14906,7 +15218,7 @@
             <a:alphaModFix/>
             <a:extLst>
               <a:ext uri="{96DAC541-7B7A-43D3-8B79-37D633B846F1}">
-                <asvg:svgBlip xmlns:asvg="http://schemas.microsoft.com/office/drawing/2016/SVG/main" xmlns:p="http://schemas.openxmlformats.org/presentationml/2006/main" xmlns:r="http://schemas.openxmlformats.org/officeDocument/2006/relationships" xmlns:a="http://schemas.openxmlformats.org/drawingml/2006/main" xmlns="" r:embed="rId7"/>
+                <asvg:svgBlip xmlns="" xmlns:a="http://schemas.openxmlformats.org/drawingml/2006/main" xmlns:r="http://schemas.openxmlformats.org/officeDocument/2006/relationships" xmlns:p="http://schemas.openxmlformats.org/presentationml/2006/main" xmlns:asvg="http://schemas.microsoft.com/office/drawing/2016/SVG/main" r:embed="rId7"/>
               </a:ext>
             </a:extLst>
           </a:blip>
@@ -14949,7 +15261,7 @@
             <a:alphaModFix/>
             <a:extLst>
               <a:ext uri="{96DAC541-7B7A-43D3-8B79-37D633B846F1}">
-                <asvg:svgBlip xmlns:asvg="http://schemas.microsoft.com/office/drawing/2016/SVG/main" xmlns:p="http://schemas.openxmlformats.org/presentationml/2006/main" xmlns:r="http://schemas.openxmlformats.org/officeDocument/2006/relationships" xmlns:a="http://schemas.openxmlformats.org/drawingml/2006/main" xmlns="" r:embed="rId7"/>
+                <asvg:svgBlip xmlns="" xmlns:a="http://schemas.openxmlformats.org/drawingml/2006/main" xmlns:r="http://schemas.openxmlformats.org/officeDocument/2006/relationships" xmlns:p="http://schemas.openxmlformats.org/presentationml/2006/main" xmlns:asvg="http://schemas.microsoft.com/office/drawing/2016/SVG/main" r:embed="rId7"/>
               </a:ext>
             </a:extLst>
           </a:blip>
@@ -14992,7 +15304,7 @@
             <a:alphaModFix/>
             <a:extLst>
               <a:ext uri="{96DAC541-7B7A-43D3-8B79-37D633B846F1}">
-                <asvg:svgBlip xmlns:asvg="http://schemas.microsoft.com/office/drawing/2016/SVG/main" xmlns:p="http://schemas.openxmlformats.org/presentationml/2006/main" xmlns:r="http://schemas.openxmlformats.org/officeDocument/2006/relationships" xmlns:a="http://schemas.openxmlformats.org/drawingml/2006/main" xmlns="" r:embed="rId7"/>
+                <asvg:svgBlip xmlns="" xmlns:a="http://schemas.openxmlformats.org/drawingml/2006/main" xmlns:r="http://schemas.openxmlformats.org/officeDocument/2006/relationships" xmlns:p="http://schemas.openxmlformats.org/presentationml/2006/main" xmlns:asvg="http://schemas.microsoft.com/office/drawing/2016/SVG/main" r:embed="rId7"/>
               </a:ext>
             </a:extLst>
           </a:blip>
@@ -15035,7 +15347,7 @@
             <a:alphaModFix/>
             <a:extLst>
               <a:ext uri="{96DAC541-7B7A-43D3-8B79-37D633B846F1}">
-                <asvg:svgBlip xmlns:asvg="http://schemas.microsoft.com/office/drawing/2016/SVG/main" xmlns:p="http://schemas.openxmlformats.org/presentationml/2006/main" xmlns:r="http://schemas.openxmlformats.org/officeDocument/2006/relationships" xmlns:a="http://schemas.openxmlformats.org/drawingml/2006/main" xmlns="" r:embed="rId7"/>
+                <asvg:svgBlip xmlns="" xmlns:a="http://schemas.openxmlformats.org/drawingml/2006/main" xmlns:r="http://schemas.openxmlformats.org/officeDocument/2006/relationships" xmlns:p="http://schemas.openxmlformats.org/presentationml/2006/main" xmlns:asvg="http://schemas.microsoft.com/office/drawing/2016/SVG/main" r:embed="rId7"/>
               </a:ext>
             </a:extLst>
           </a:blip>
